--- a/ML project/Класификация на изображения от Cifar-100 dataset.pptx
+++ b/ML project/Класификация на изображения от Cifar-100 dataset.pptx
@@ -5,17 +5,16 @@
     <p:sldMasterId id="2147483650" r:id="rId1"/>
   </p:sldMasterIdLst>
   <p:notesMasterIdLst>
-    <p:notesMasterId r:id="rId10"/>
+    <p:notesMasterId r:id="rId9"/>
   </p:notesMasterIdLst>
   <p:sldIdLst>
     <p:sldId id="278" r:id="rId2"/>
     <p:sldId id="279" r:id="rId3"/>
     <p:sldId id="283" r:id="rId4"/>
-    <p:sldId id="295" r:id="rId5"/>
-    <p:sldId id="296" r:id="rId6"/>
-    <p:sldId id="298" r:id="rId7"/>
-    <p:sldId id="297" r:id="rId8"/>
-    <p:sldId id="293" r:id="rId9"/>
+    <p:sldId id="296" r:id="rId5"/>
+    <p:sldId id="298" r:id="rId6"/>
+    <p:sldId id="297" r:id="rId7"/>
+    <p:sldId id="293" r:id="rId8"/>
   </p:sldIdLst>
   <p:sldSz cx="12192000" cy="6858000"/>
   <p:notesSz cx="13716000" cy="24384000"/>
@@ -23190,7 +23189,7 @@
             </a:r>
             <a:r>
               <a:rPr lang="en-150" sz="3600"/>
-              <a:t>Cifar-100 dataset</a:t>
+              <a:t>Cifar-10 dataset</a:t>
             </a:r>
             <a:br>
               <a:rPr lang="bg-BG" sz="3600"/>
@@ -23471,10 +23470,10 @@
       </p:sp>
       <p:pic>
         <p:nvPicPr>
-          <p:cNvPr id="10" name="Content Placeholder 9">
+          <p:cNvPr id="6" name="Content Placeholder 5">
             <a:extLst>
               <a:ext uri="{FF2B5EF4-FFF2-40B4-BE49-F238E27FC236}">
-                <a16:creationId xmlns:a16="http://schemas.microsoft.com/office/drawing/2014/main" id="{9BC9129B-2E7B-66B8-8B4D-E8CDC3D3780F}"/>
+                <a16:creationId xmlns:a16="http://schemas.microsoft.com/office/drawing/2014/main" id="{D0D67516-5DFC-11C6-D66A-7BCE1B1FF3AB}"/>
               </a:ext>
             </a:extLst>
           </p:cNvPr>
@@ -23493,8 +23492,8 @@
         </p:blipFill>
         <p:spPr>
           <a:xfrm>
-            <a:off x="1266617" y="2230204"/>
-            <a:ext cx="9678751" cy="3896269"/>
+            <a:off x="1704618" y="2308194"/>
+            <a:ext cx="8782764" cy="3586678"/>
           </a:xfrm>
         </p:spPr>
       </p:pic>
@@ -23533,123 +23532,6 @@
           <p:cNvPr id="2" name="Title 1">
             <a:extLst>
               <a:ext uri="{FF2B5EF4-FFF2-40B4-BE49-F238E27FC236}">
-                <a16:creationId xmlns:a16="http://schemas.microsoft.com/office/drawing/2014/main" id="{6003B2E4-02A5-5BFD-2B05-03308445362F}"/>
-              </a:ext>
-            </a:extLst>
-          </p:cNvPr>
-          <p:cNvSpPr>
-            <a:spLocks noGrp="1"/>
-          </p:cNvSpPr>
-          <p:nvPr>
-            <p:ph type="title"/>
-          </p:nvPr>
-        </p:nvSpPr>
-        <p:spPr/>
-        <p:txBody>
-          <a:bodyPr/>
-          <a:lstStyle/>
-          <a:p>
-            <a:r>
-              <a:rPr lang="bg-BG"/>
-              <a:t>ПРИМЕРНИ ИЗОБРАЖЕНИЯ</a:t>
-            </a:r>
-            <a:endParaRPr lang="en-150"/>
-          </a:p>
-        </p:txBody>
-      </p:sp>
-      <p:pic>
-        <p:nvPicPr>
-          <p:cNvPr id="7" name="Content Placeholder 6">
-            <a:extLst>
-              <a:ext uri="{FF2B5EF4-FFF2-40B4-BE49-F238E27FC236}">
-                <a16:creationId xmlns:a16="http://schemas.microsoft.com/office/drawing/2014/main" id="{D1EA42AA-F8F8-8AAE-870D-493C1B20243C}"/>
-              </a:ext>
-            </a:extLst>
-          </p:cNvPr>
-          <p:cNvPicPr>
-            <a:picLocks noGrp="1" noChangeAspect="1"/>
-          </p:cNvPicPr>
-          <p:nvPr>
-            <p:ph sz="half" idx="1"/>
-          </p:nvPr>
-        </p:nvPicPr>
-        <p:blipFill>
-          <a:blip r:embed="rId2"/>
-          <a:stretch>
-            <a:fillRect/>
-          </a:stretch>
-        </p:blipFill>
-        <p:spPr>
-          <a:xfrm>
-            <a:off x="1257091" y="2288437"/>
-            <a:ext cx="9688277" cy="3620005"/>
-          </a:xfrm>
-        </p:spPr>
-      </p:pic>
-      <p:sp>
-        <p:nvSpPr>
-          <p:cNvPr id="5" name="Slide Number Placeholder 4">
-            <a:extLst>
-              <a:ext uri="{FF2B5EF4-FFF2-40B4-BE49-F238E27FC236}">
-                <a16:creationId xmlns:a16="http://schemas.microsoft.com/office/drawing/2014/main" id="{FFF9052C-CC99-6866-48F6-A61C61D2C9BA}"/>
-              </a:ext>
-            </a:extLst>
-          </p:cNvPr>
-          <p:cNvSpPr>
-            <a:spLocks noGrp="1"/>
-          </p:cNvSpPr>
-          <p:nvPr>
-            <p:ph type="sldNum" sz="quarter" idx="12"/>
-          </p:nvPr>
-        </p:nvSpPr>
-        <p:spPr/>
-        <p:txBody>
-          <a:bodyPr/>
-          <a:lstStyle/>
-          <a:p>
-            <a:fld id="{48F63A3B-78C7-47BE-AE5E-E10140E04643}" type="slidenum">
-              <a:rPr lang="en-US" smtClean="0"/>
-              <a:t>4</a:t>
-            </a:fld>
-            <a:endParaRPr lang="en-US" dirty="0"/>
-          </a:p>
-        </p:txBody>
-      </p:sp>
-    </p:spTree>
-    <p:extLst>
-      <p:ext uri="{BB962C8B-B14F-4D97-AF65-F5344CB8AC3E}">
-        <p14:creationId xmlns:p14="http://schemas.microsoft.com/office/powerpoint/2010/main" val="1989964138"/>
-      </p:ext>
-    </p:extLst>
-  </p:cSld>
-  <p:clrMapOvr>
-    <a:masterClrMapping/>
-  </p:clrMapOvr>
-</p:sld>
-</file>
-
-<file path=ppt/slides/slide5.xml><?xml version="1.0" encoding="utf-8"?>
-<p:sld xmlns:a="http://schemas.openxmlformats.org/drawingml/2006/main" xmlns:r="http://schemas.openxmlformats.org/officeDocument/2006/relationships" xmlns:p="http://schemas.openxmlformats.org/presentationml/2006/main">
-  <p:cSld>
-    <p:spTree>
-      <p:nvGrpSpPr>
-        <p:cNvPr id="1" name=""/>
-        <p:cNvGrpSpPr/>
-        <p:nvPr/>
-      </p:nvGrpSpPr>
-      <p:grpSpPr>
-        <a:xfrm>
-          <a:off x="0" y="0"/>
-          <a:ext cx="0" cy="0"/>
-          <a:chOff x="0" y="0"/>
-          <a:chExt cx="0" cy="0"/>
-        </a:xfrm>
-      </p:grpSpPr>
-      <p:sp>
-        <p:nvSpPr>
-          <p:cNvPr id="2" name="Title 1">
-            <a:extLst>
-              <a:ext uri="{FF2B5EF4-FFF2-40B4-BE49-F238E27FC236}">
                 <a16:creationId xmlns:a16="http://schemas.microsoft.com/office/drawing/2014/main" id="{6FC71ACA-83A1-6B26-D388-0FC03A00E5BE}"/>
               </a:ext>
             </a:extLst>
@@ -23792,7 +23674,7 @@
           <a:p>
             <a:fld id="{48F63A3B-78C7-47BE-AE5E-E10140E04643}" type="slidenum">
               <a:rPr lang="en-US" smtClean="0"/>
-              <a:t>5</a:t>
+              <a:t>4</a:t>
             </a:fld>
             <a:endParaRPr lang="en-US" dirty="0"/>
           </a:p>
@@ -23860,7 +23742,7 @@
 </p:sld>
 </file>
 
-<file path=ppt/slides/slide6.xml><?xml version="1.0" encoding="utf-8"?>
+<file path=ppt/slides/slide5.xml><?xml version="1.0" encoding="utf-8"?>
 <p:sld xmlns:a="http://schemas.openxmlformats.org/drawingml/2006/main" xmlns:r="http://schemas.openxmlformats.org/officeDocument/2006/relationships" xmlns:p="http://schemas.openxmlformats.org/presentationml/2006/main">
   <p:cSld>
     <p:spTree>
@@ -23929,7 +23811,7 @@
           <a:p>
             <a:fld id="{48F63A3B-78C7-47BE-AE5E-E10140E04643}" type="slidenum">
               <a:rPr lang="en-US" smtClean="0"/>
-              <a:t>6</a:t>
+              <a:t>5</a:t>
             </a:fld>
             <a:endParaRPr lang="en-US" dirty="0"/>
           </a:p>
@@ -24194,7 +24076,7 @@
 </p:sld>
 </file>
 
-<file path=ppt/slides/slide7.xml><?xml version="1.0" encoding="utf-8"?>
+<file path=ppt/slides/slide6.xml><?xml version="1.0" encoding="utf-8"?>
 <p:sld xmlns:a="http://schemas.openxmlformats.org/drawingml/2006/main" xmlns:r="http://schemas.openxmlformats.org/officeDocument/2006/relationships" xmlns:p="http://schemas.openxmlformats.org/presentationml/2006/main">
   <p:cSld>
     <p:spTree>
@@ -24377,7 +24259,7 @@
           <a:p>
             <a:fld id="{48F63A3B-78C7-47BE-AE5E-E10140E04643}" type="slidenum">
               <a:rPr lang="en-US" smtClean="0"/>
-              <a:t>7</a:t>
+              <a:t>6</a:t>
             </a:fld>
             <a:endParaRPr lang="en-US" dirty="0"/>
           </a:p>
@@ -24441,7 +24323,7 @@
 </p:sld>
 </file>
 
-<file path=ppt/slides/slide8.xml><?xml version="1.0" encoding="utf-8"?>
+<file path=ppt/slides/slide7.xml><?xml version="1.0" encoding="utf-8"?>
 <p:sld xmlns:a="http://schemas.openxmlformats.org/drawingml/2006/main" xmlns:r="http://schemas.openxmlformats.org/officeDocument/2006/relationships" xmlns:p="http://schemas.openxmlformats.org/presentationml/2006/main">
   <p:cSld>
     <p:spTree>

--- a/ML project/Класификация на изображения от Cifar-100 dataset.pptx
+++ b/ML project/Класификация на изображения от Cifar-100 dataset.pptx
@@ -5,7 +5,7 @@
     <p:sldMasterId id="2147483650" r:id="rId1"/>
   </p:sldMasterIdLst>
   <p:notesMasterIdLst>
-    <p:notesMasterId r:id="rId9"/>
+    <p:notesMasterId r:id="rId8"/>
   </p:notesMasterIdLst>
   <p:sldIdLst>
     <p:sldId id="278" r:id="rId2"/>
@@ -14,7 +14,6 @@
     <p:sldId id="296" r:id="rId5"/>
     <p:sldId id="298" r:id="rId6"/>
     <p:sldId id="297" r:id="rId7"/>
-    <p:sldId id="293" r:id="rId8"/>
   </p:sldIdLst>
   <p:sldSz cx="12192000" cy="6858000"/>
   <p:notesSz cx="13716000" cy="24384000"/>
@@ -24314,70 +24313,6 @@
     <p:extLst>
       <p:ext uri="{BB962C8B-B14F-4D97-AF65-F5344CB8AC3E}">
         <p14:creationId xmlns:p14="http://schemas.microsoft.com/office/powerpoint/2010/main" val="854557083"/>
-      </p:ext>
-    </p:extLst>
-  </p:cSld>
-  <p:clrMapOvr>
-    <a:masterClrMapping/>
-  </p:clrMapOvr>
-</p:sld>
-</file>
-
-<file path=ppt/slides/slide7.xml><?xml version="1.0" encoding="utf-8"?>
-<p:sld xmlns:a="http://schemas.openxmlformats.org/drawingml/2006/main" xmlns:r="http://schemas.openxmlformats.org/officeDocument/2006/relationships" xmlns:p="http://schemas.openxmlformats.org/presentationml/2006/main">
-  <p:cSld>
-    <p:spTree>
-      <p:nvGrpSpPr>
-        <p:cNvPr id="1" name=""/>
-        <p:cNvGrpSpPr/>
-        <p:nvPr/>
-      </p:nvGrpSpPr>
-      <p:grpSpPr>
-        <a:xfrm>
-          <a:off x="0" y="0"/>
-          <a:ext cx="0" cy="0"/>
-          <a:chOff x="0" y="0"/>
-          <a:chExt cx="0" cy="0"/>
-        </a:xfrm>
-      </p:grpSpPr>
-      <p:sp>
-        <p:nvSpPr>
-          <p:cNvPr id="2" name="Title 1">
-            <a:extLst>
-              <a:ext uri="{FF2B5EF4-FFF2-40B4-BE49-F238E27FC236}">
-                <a16:creationId xmlns:a16="http://schemas.microsoft.com/office/drawing/2014/main" id="{800AB426-5B7C-607E-D413-5D2C9495CC0A}"/>
-              </a:ext>
-            </a:extLst>
-          </p:cNvPr>
-          <p:cNvSpPr>
-            <a:spLocks noGrp="1"/>
-          </p:cNvSpPr>
-          <p:nvPr>
-            <p:ph type="ctrTitle"/>
-          </p:nvPr>
-        </p:nvSpPr>
-        <p:spPr>
-          <a:xfrm>
-            <a:off x="1515951" y="1975104"/>
-            <a:ext cx="5612818" cy="1453896"/>
-          </a:xfrm>
-        </p:spPr>
-        <p:txBody>
-          <a:bodyPr/>
-          <a:lstStyle/>
-          <a:p>
-            <a:r>
-              <a:rPr lang="bg-BG" sz="3200"/>
-              <a:t>Благодаря за вниманието!</a:t>
-            </a:r>
-            <a:endParaRPr lang="en-US" sz="3200" dirty="0"/>
-          </a:p>
-        </p:txBody>
-      </p:sp>
-    </p:spTree>
-    <p:extLst>
-      <p:ext uri="{BB962C8B-B14F-4D97-AF65-F5344CB8AC3E}">
-        <p14:creationId xmlns:p14="http://schemas.microsoft.com/office/powerpoint/2010/main" val="1003962426"/>
       </p:ext>
     </p:extLst>
   </p:cSld>
